--- a/images/me1.pptx
+++ b/images/me1.pptx
@@ -259,7 +259,7 @@
           <a:p>
             <a:fld id="{1AFDAF5A-1CAB-488B-BBAB-DF59CC324A32}" type="datetimeFigureOut">
               <a:rPr lang="en-US" smtClean="0"/>
-              <a:t>8/28/2023</a:t>
+              <a:t>4/1/2024</a:t>
             </a:fld>
             <a:endParaRPr lang="en-US"/>
           </a:p>
@@ -457,7 +457,7 @@
           <a:p>
             <a:fld id="{1AFDAF5A-1CAB-488B-BBAB-DF59CC324A32}" type="datetimeFigureOut">
               <a:rPr lang="en-US" smtClean="0"/>
-              <a:t>8/28/2023</a:t>
+              <a:t>4/1/2024</a:t>
             </a:fld>
             <a:endParaRPr lang="en-US"/>
           </a:p>
@@ -665,7 +665,7 @@
           <a:p>
             <a:fld id="{1AFDAF5A-1CAB-488B-BBAB-DF59CC324A32}" type="datetimeFigureOut">
               <a:rPr lang="en-US" smtClean="0"/>
-              <a:t>8/28/2023</a:t>
+              <a:t>4/1/2024</a:t>
             </a:fld>
             <a:endParaRPr lang="en-US"/>
           </a:p>
@@ -863,7 +863,7 @@
           <a:p>
             <a:fld id="{1AFDAF5A-1CAB-488B-BBAB-DF59CC324A32}" type="datetimeFigureOut">
               <a:rPr lang="en-US" smtClean="0"/>
-              <a:t>8/28/2023</a:t>
+              <a:t>4/1/2024</a:t>
             </a:fld>
             <a:endParaRPr lang="en-US"/>
           </a:p>
@@ -1138,7 +1138,7 @@
           <a:p>
             <a:fld id="{1AFDAF5A-1CAB-488B-BBAB-DF59CC324A32}" type="datetimeFigureOut">
               <a:rPr lang="en-US" smtClean="0"/>
-              <a:t>8/28/2023</a:t>
+              <a:t>4/1/2024</a:t>
             </a:fld>
             <a:endParaRPr lang="en-US"/>
           </a:p>
@@ -1403,7 +1403,7 @@
           <a:p>
             <a:fld id="{1AFDAF5A-1CAB-488B-BBAB-DF59CC324A32}" type="datetimeFigureOut">
               <a:rPr lang="en-US" smtClean="0"/>
-              <a:t>8/28/2023</a:t>
+              <a:t>4/1/2024</a:t>
             </a:fld>
             <a:endParaRPr lang="en-US"/>
           </a:p>
@@ -1815,7 +1815,7 @@
           <a:p>
             <a:fld id="{1AFDAF5A-1CAB-488B-BBAB-DF59CC324A32}" type="datetimeFigureOut">
               <a:rPr lang="en-US" smtClean="0"/>
-              <a:t>8/28/2023</a:t>
+              <a:t>4/1/2024</a:t>
             </a:fld>
             <a:endParaRPr lang="en-US"/>
           </a:p>
@@ -1956,7 +1956,7 @@
           <a:p>
             <a:fld id="{1AFDAF5A-1CAB-488B-BBAB-DF59CC324A32}" type="datetimeFigureOut">
               <a:rPr lang="en-US" smtClean="0"/>
-              <a:t>8/28/2023</a:t>
+              <a:t>4/1/2024</a:t>
             </a:fld>
             <a:endParaRPr lang="en-US"/>
           </a:p>
@@ -2069,7 +2069,7 @@
           <a:p>
             <a:fld id="{1AFDAF5A-1CAB-488B-BBAB-DF59CC324A32}" type="datetimeFigureOut">
               <a:rPr lang="en-US" smtClean="0"/>
-              <a:t>8/28/2023</a:t>
+              <a:t>4/1/2024</a:t>
             </a:fld>
             <a:endParaRPr lang="en-US"/>
           </a:p>
@@ -2380,7 +2380,7 @@
           <a:p>
             <a:fld id="{1AFDAF5A-1CAB-488B-BBAB-DF59CC324A32}" type="datetimeFigureOut">
               <a:rPr lang="en-US" smtClean="0"/>
-              <a:t>8/28/2023</a:t>
+              <a:t>4/1/2024</a:t>
             </a:fld>
             <a:endParaRPr lang="en-US"/>
           </a:p>
@@ -2668,7 +2668,7 @@
           <a:p>
             <a:fld id="{1AFDAF5A-1CAB-488B-BBAB-DF59CC324A32}" type="datetimeFigureOut">
               <a:rPr lang="en-US" smtClean="0"/>
-              <a:t>8/28/2023</a:t>
+              <a:t>4/1/2024</a:t>
             </a:fld>
             <a:endParaRPr lang="en-US"/>
           </a:p>
@@ -2909,7 +2909,7 @@
           <a:p>
             <a:fld id="{1AFDAF5A-1CAB-488B-BBAB-DF59CC324A32}" type="datetimeFigureOut">
               <a:rPr lang="en-US" smtClean="0"/>
-              <a:t>8/28/2023</a:t>
+              <a:t>4/1/2024</a:t>
             </a:fld>
             <a:endParaRPr lang="en-US"/>
           </a:p>
@@ -3383,9 +3383,7 @@
             <a:avLst/>
           </a:prstGeom>
           <a:solidFill>
-            <a:srgbClr val="FEC200">
-              <a:alpha val="80000"/>
-            </a:srgbClr>
+            <a:srgbClr val="F3B415"/>
           </a:solidFill>
           <a:ln>
             <a:noFill/>
@@ -3412,7 +3410,11 @@
           <a:lstStyle/>
           <a:p>
             <a:pPr algn="ctr"/>
-            <a:endParaRPr lang="en-US"/>
+            <a:endParaRPr lang="en-US" dirty="0">
+              <a:highlight>
+                <a:srgbClr val="F6BB00"/>
+              </a:highlight>
+            </a:endParaRPr>
           </a:p>
         </p:txBody>
       </p:sp>
